--- a/Traffic Racer.pptx
+++ b/Traffic Racer.pptx
@@ -7,9 +7,10 @@
   <p:sldIdLst>
     <p:sldId id="256" r:id="rId2"/>
     <p:sldId id="258" r:id="rId3"/>
-    <p:sldId id="257" r:id="rId4"/>
-    <p:sldId id="259" r:id="rId5"/>
-    <p:sldId id="260" r:id="rId6"/>
+    <p:sldId id="261" r:id="rId4"/>
+    <p:sldId id="257" r:id="rId5"/>
+    <p:sldId id="259" r:id="rId6"/>
+    <p:sldId id="260" r:id="rId7"/>
   </p:sldIdLst>
   <p:sldSz cx="9144000" cy="6858000" type="screen4x3"/>
   <p:notesSz cx="6858000" cy="9144000"/>
@@ -222,7 +223,7 @@
           <a:p>
             <a:fld id="{A1134424-B341-4122-AEA5-B8FD2BC0D780}" type="datetimeFigureOut">
               <a:rPr lang="en-US" smtClean="0"/>
-              <a:t>5/20/2023</a:t>
+              <a:t>5/21/2023</a:t>
             </a:fld>
             <a:endParaRPr lang="en-US"/>
           </a:p>
@@ -448,7 +449,7 @@
           <a:p>
             <a:fld id="{A1134424-B341-4122-AEA5-B8FD2BC0D780}" type="datetimeFigureOut">
               <a:rPr lang="en-US" smtClean="0"/>
-              <a:t>5/20/2023</a:t>
+              <a:t>5/21/2023</a:t>
             </a:fld>
             <a:endParaRPr lang="en-US"/>
           </a:p>
@@ -623,7 +624,7 @@
           <a:p>
             <a:fld id="{A1134424-B341-4122-AEA5-B8FD2BC0D780}" type="datetimeFigureOut">
               <a:rPr lang="en-US" smtClean="0"/>
-              <a:t>5/20/2023</a:t>
+              <a:t>5/21/2023</a:t>
             </a:fld>
             <a:endParaRPr lang="en-US"/>
           </a:p>
@@ -788,7 +789,7 @@
           <a:p>
             <a:fld id="{A1134424-B341-4122-AEA5-B8FD2BC0D780}" type="datetimeFigureOut">
               <a:rPr lang="en-US" smtClean="0"/>
-              <a:t>5/20/2023</a:t>
+              <a:t>5/21/2023</a:t>
             </a:fld>
             <a:endParaRPr lang="en-US"/>
           </a:p>
@@ -1032,7 +1033,7 @@
           <a:p>
             <a:fld id="{A1134424-B341-4122-AEA5-B8FD2BC0D780}" type="datetimeFigureOut">
               <a:rPr lang="en-US" smtClean="0"/>
-              <a:t>5/20/2023</a:t>
+              <a:t>5/21/2023</a:t>
             </a:fld>
             <a:endParaRPr lang="en-US"/>
           </a:p>
@@ -1296,7 +1297,7 @@
           <a:p>
             <a:fld id="{A1134424-B341-4122-AEA5-B8FD2BC0D780}" type="datetimeFigureOut">
               <a:rPr lang="en-US" smtClean="0"/>
-              <a:t>5/20/2023</a:t>
+              <a:t>5/21/2023</a:t>
             </a:fld>
             <a:endParaRPr lang="en-US"/>
           </a:p>
@@ -1670,7 +1671,7 @@
           <a:p>
             <a:fld id="{A1134424-B341-4122-AEA5-B8FD2BC0D780}" type="datetimeFigureOut">
               <a:rPr lang="en-US" smtClean="0"/>
-              <a:t>5/20/2023</a:t>
+              <a:t>5/21/2023</a:t>
             </a:fld>
             <a:endParaRPr lang="en-US"/>
           </a:p>
@@ -1783,7 +1784,7 @@
           <a:p>
             <a:fld id="{A1134424-B341-4122-AEA5-B8FD2BC0D780}" type="datetimeFigureOut">
               <a:rPr lang="en-US" smtClean="0"/>
-              <a:t>5/20/2023</a:t>
+              <a:t>5/21/2023</a:t>
             </a:fld>
             <a:endParaRPr lang="en-US"/>
           </a:p>
@@ -1873,7 +1874,7 @@
           <a:p>
             <a:fld id="{A1134424-B341-4122-AEA5-B8FD2BC0D780}" type="datetimeFigureOut">
               <a:rPr lang="en-US" smtClean="0"/>
-              <a:t>5/20/2023</a:t>
+              <a:t>5/21/2023</a:t>
             </a:fld>
             <a:endParaRPr lang="en-US"/>
           </a:p>
@@ -2131,7 +2132,7 @@
           <a:p>
             <a:fld id="{A1134424-B341-4122-AEA5-B8FD2BC0D780}" type="datetimeFigureOut">
               <a:rPr lang="en-US" smtClean="0"/>
-              <a:t>5/20/2023</a:t>
+              <a:t>5/21/2023</a:t>
             </a:fld>
             <a:endParaRPr lang="en-US"/>
           </a:p>
@@ -2395,7 +2396,7 @@
           <a:p>
             <a:fld id="{A1134424-B341-4122-AEA5-B8FD2BC0D780}" type="datetimeFigureOut">
               <a:rPr lang="en-US" smtClean="0"/>
-              <a:t>5/20/2023</a:t>
+              <a:t>5/21/2023</a:t>
             </a:fld>
             <a:endParaRPr lang="en-US"/>
           </a:p>
@@ -2612,7 +2613,7 @@
           <a:p>
             <a:fld id="{A1134424-B341-4122-AEA5-B8FD2BC0D780}" type="datetimeFigureOut">
               <a:rPr lang="en-US" smtClean="0"/>
-              <a:t>5/20/2023</a:t>
+              <a:t>5/21/2023</a:t>
             </a:fld>
             <a:endParaRPr lang="en-US"/>
           </a:p>
@@ -3202,13 +3203,13 @@
         </p:nvSpPr>
         <p:spPr>
           <a:xfrm>
-            <a:off x="467544" y="1412776"/>
-            <a:ext cx="8229600" cy="4709160"/>
+            <a:off x="395536" y="1196752"/>
+            <a:ext cx="8229600" cy="5472608"/>
           </a:xfrm>
         </p:spPr>
         <p:txBody>
           <a:bodyPr>
-            <a:normAutofit lnSpcReduction="10000"/>
+            <a:normAutofit fontScale="92500" lnSpcReduction="10000"/>
           </a:bodyPr>
           <a:lstStyle/>
           <a:p>
@@ -3284,22 +3285,58 @@
             <a:pPr lvl="2"/>
             <a:r>
               <a:rPr lang="en-US" dirty="0" smtClean="0"/>
-              <a:t>LIGHTING</a:t>
+              <a:t>LIGHTING SYSETEM</a:t>
             </a:r>
           </a:p>
           <a:p>
             <a:pPr lvl="2"/>
             <a:r>
               <a:rPr lang="en-US" dirty="0" smtClean="0"/>
-              <a:t>COLLISION SYSTEM</a:t>
+              <a:t>INTEGRATE LIGHTING WITH COMPONENTS</a:t>
             </a:r>
           </a:p>
           <a:p>
             <a:pPr lvl="2"/>
             <a:r>
+              <a:rPr lang="en-US" smtClean="0"/>
+              <a:t>COLLISION </a:t>
+            </a:r>
+            <a:r>
+              <a:rPr lang="en-US" smtClean="0"/>
+              <a:t>SYSTEM</a:t>
+            </a:r>
+            <a:endParaRPr lang="en-US" dirty="0" smtClean="0"/>
+          </a:p>
+          <a:p>
+            <a:pPr lvl="2"/>
+            <a:r>
               <a:rPr lang="en-US" dirty="0" smtClean="0"/>
-              <a:t>MAIN MENU &amp; GAME-OVER MENU</a:t>
-            </a:r>
+              <a:t>MAIN MENU STATE</a:t>
+            </a:r>
+            <a:endParaRPr lang="en-US" dirty="0"/>
+          </a:p>
+          <a:p>
+            <a:pPr lvl="2"/>
+            <a:r>
+              <a:rPr lang="en-US" dirty="0"/>
+              <a:t>GAME-OVER </a:t>
+            </a:r>
+            <a:r>
+              <a:rPr lang="en-US" dirty="0" smtClean="0"/>
+              <a:t>MENU STATE</a:t>
+            </a:r>
+          </a:p>
+          <a:p>
+            <a:pPr lvl="2"/>
+            <a:r>
+              <a:rPr lang="en-US" dirty="0" smtClean="0"/>
+              <a:t>NEW POSTPROCESSING</a:t>
+            </a:r>
+            <a:endParaRPr lang="en-US" dirty="0"/>
+          </a:p>
+          <a:p>
+            <a:pPr lvl="2"/>
+            <a:endParaRPr lang="en-US" dirty="0" smtClean="0"/>
           </a:p>
         </p:txBody>
       </p:sp>
@@ -3317,6 +3354,275 @@
 </file>
 
 <file path=ppt/slides/slide3.xml><?xml version="1.0" encoding="utf-8"?>
+<p:sld xmlns:a="http://schemas.openxmlformats.org/drawingml/2006/main" xmlns:r="http://schemas.openxmlformats.org/officeDocument/2006/relationships" xmlns:p="http://schemas.openxmlformats.org/presentationml/2006/main">
+  <p:cSld>
+    <p:spTree>
+      <p:nvGrpSpPr>
+        <p:cNvPr id="1" name=""/>
+        <p:cNvGrpSpPr/>
+        <p:nvPr/>
+      </p:nvGrpSpPr>
+      <p:grpSpPr>
+        <a:xfrm>
+          <a:off x="0" y="0"/>
+          <a:ext cx="0" cy="0"/>
+          <a:chOff x="0" y="0"/>
+          <a:chExt cx="0" cy="0"/>
+        </a:xfrm>
+      </p:grpSpPr>
+      <p:sp>
+        <p:nvSpPr>
+          <p:cNvPr id="2" name="Title 1"/>
+          <p:cNvSpPr>
+            <a:spLocks noGrp="1"/>
+          </p:cNvSpPr>
+          <p:nvPr>
+            <p:ph type="title"/>
+          </p:nvPr>
+        </p:nvSpPr>
+        <p:spPr>
+          <a:xfrm>
+            <a:off x="467544" y="188640"/>
+            <a:ext cx="8229600" cy="1143000"/>
+          </a:xfrm>
+        </p:spPr>
+        <p:txBody>
+          <a:bodyPr/>
+          <a:lstStyle/>
+          <a:p>
+            <a:r>
+              <a:rPr lang="en-US" dirty="0" smtClean="0"/>
+              <a:t>WORK LOAD</a:t>
+            </a:r>
+            <a:endParaRPr lang="en-US" dirty="0"/>
+          </a:p>
+        </p:txBody>
+      </p:sp>
+      <p:sp>
+        <p:nvSpPr>
+          <p:cNvPr id="3" name="Content Placeholder 2"/>
+          <p:cNvSpPr>
+            <a:spLocks noGrp="1"/>
+          </p:cNvSpPr>
+          <p:nvPr>
+            <p:ph idx="1"/>
+          </p:nvPr>
+        </p:nvSpPr>
+        <p:spPr>
+          <a:xfrm>
+            <a:off x="467544" y="1412776"/>
+            <a:ext cx="8229600" cy="5328592"/>
+          </a:xfrm>
+        </p:spPr>
+        <p:txBody>
+          <a:bodyPr>
+            <a:normAutofit fontScale="77500" lnSpcReduction="20000"/>
+          </a:bodyPr>
+          <a:lstStyle/>
+          <a:p>
+            <a:r>
+              <a:rPr lang="en-US" dirty="0" err="1" smtClean="0"/>
+              <a:t>Khaled</a:t>
+            </a:r>
+            <a:r>
+              <a:rPr lang="en-US" dirty="0" smtClean="0"/>
+              <a:t> </a:t>
+            </a:r>
+            <a:r>
+              <a:rPr lang="en-US" dirty="0" err="1" smtClean="0"/>
+              <a:t>Mostafa</a:t>
+            </a:r>
+            <a:r>
+              <a:rPr lang="en-US" dirty="0" smtClean="0"/>
+              <a:t>. SEC:1 B:21</a:t>
+            </a:r>
+          </a:p>
+          <a:p>
+            <a:r>
+              <a:rPr lang="en-US" dirty="0" err="1" smtClean="0"/>
+              <a:t>Abdelrahman</a:t>
+            </a:r>
+            <a:r>
+              <a:rPr lang="en-US" dirty="0" smtClean="0"/>
+              <a:t> Ashraf. SEC:1 B:35</a:t>
+            </a:r>
+          </a:p>
+          <a:p>
+            <a:pPr lvl="1"/>
+            <a:r>
+              <a:rPr lang="en-US" dirty="0" smtClean="0"/>
+              <a:t>PHASE 1:</a:t>
+            </a:r>
+          </a:p>
+          <a:p>
+            <a:pPr lvl="2"/>
+            <a:r>
+              <a:rPr lang="en-US" dirty="0" err="1" smtClean="0"/>
+              <a:t>Shader</a:t>
+            </a:r>
+            <a:endParaRPr lang="en-US" dirty="0" smtClean="0"/>
+          </a:p>
+          <a:p>
+            <a:pPr lvl="2"/>
+            <a:r>
+              <a:rPr lang="en-US" dirty="0"/>
+              <a:t>Pipeline </a:t>
+            </a:r>
+            <a:r>
+              <a:rPr lang="en-US" dirty="0" smtClean="0"/>
+              <a:t>State</a:t>
+            </a:r>
+          </a:p>
+          <a:p>
+            <a:pPr lvl="2"/>
+            <a:r>
+              <a:rPr lang="en-US" dirty="0" smtClean="0"/>
+              <a:t>Texture</a:t>
+            </a:r>
+          </a:p>
+          <a:p>
+            <a:pPr lvl="2"/>
+            <a:r>
+              <a:rPr lang="en-US" dirty="0" smtClean="0"/>
+              <a:t>Sampler</a:t>
+            </a:r>
+          </a:p>
+          <a:p>
+            <a:pPr lvl="2"/>
+            <a:r>
+              <a:rPr lang="en-US" dirty="0" smtClean="0"/>
+              <a:t>Material</a:t>
+            </a:r>
+          </a:p>
+          <a:p>
+            <a:pPr lvl="2"/>
+            <a:r>
+              <a:rPr lang="en-US" dirty="0"/>
+              <a:t>Entities and Components</a:t>
+            </a:r>
+            <a:endParaRPr lang="en-US" dirty="0" smtClean="0"/>
+          </a:p>
+          <a:p>
+            <a:pPr lvl="1">
+              <a:buClr>
+                <a:prstClr val="white"/>
+              </a:buClr>
+            </a:pPr>
+            <a:r>
+              <a:rPr lang="en-US" dirty="0" smtClean="0">
+                <a:solidFill>
+                  <a:prstClr val="white"/>
+                </a:solidFill>
+              </a:rPr>
+              <a:t>PHASE 2:</a:t>
+            </a:r>
+          </a:p>
+          <a:p>
+            <a:pPr lvl="2"/>
+            <a:r>
+              <a:rPr lang="en-US" dirty="0"/>
+              <a:t>Score and its </a:t>
+            </a:r>
+            <a:r>
+              <a:rPr lang="en-US" dirty="0" smtClean="0"/>
+              <a:t>logic</a:t>
+            </a:r>
+            <a:endParaRPr lang="ar-EG" dirty="0" smtClean="0"/>
+          </a:p>
+          <a:p>
+            <a:pPr lvl="2"/>
+            <a:r>
+              <a:rPr lang="en-US" dirty="0"/>
+              <a:t>Car </a:t>
+            </a:r>
+            <a:r>
+              <a:rPr lang="en-US" dirty="0" smtClean="0"/>
+              <a:t>movement</a:t>
+            </a:r>
+          </a:p>
+          <a:p>
+            <a:pPr lvl="2"/>
+            <a:r>
+              <a:rPr lang="en-US" dirty="0" smtClean="0"/>
+              <a:t>Breaking</a:t>
+            </a:r>
+          </a:p>
+          <a:p>
+            <a:pPr lvl="2"/>
+            <a:r>
+              <a:rPr lang="en-US" dirty="0"/>
+              <a:t>Randomness of the </a:t>
+            </a:r>
+            <a:r>
+              <a:rPr lang="en-US" dirty="0" smtClean="0"/>
+              <a:t>cars</a:t>
+            </a:r>
+          </a:p>
+          <a:p>
+            <a:pPr lvl="2"/>
+            <a:r>
+              <a:rPr lang="en-US" dirty="0"/>
+              <a:t>Infinity render of the roads and lamp poles</a:t>
+            </a:r>
+          </a:p>
+          <a:p>
+            <a:pPr lvl="2"/>
+            <a:r>
+              <a:rPr lang="en-US" dirty="0" smtClean="0"/>
+              <a:t>Render</a:t>
+            </a:r>
+            <a:r>
+              <a:rPr lang="en-US" dirty="0"/>
+              <a:t> the </a:t>
+            </a:r>
+            <a:r>
+              <a:rPr lang="en-US" dirty="0" smtClean="0"/>
+              <a:t>components</a:t>
+            </a:r>
+            <a:endParaRPr lang="ar-EG" dirty="0" smtClean="0"/>
+          </a:p>
+          <a:p>
+            <a:pPr lvl="2"/>
+            <a:r>
+              <a:rPr lang="en-US" dirty="0"/>
+              <a:t>Integration speed and time with </a:t>
+            </a:r>
+            <a:r>
+              <a:rPr lang="en-US" dirty="0" smtClean="0"/>
+              <a:t>score</a:t>
+            </a:r>
+          </a:p>
+          <a:p>
+            <a:pPr lvl="2"/>
+            <a:r>
+              <a:rPr lang="en-US" dirty="0" smtClean="0"/>
+              <a:t>Integrate new </a:t>
+            </a:r>
+            <a:r>
+              <a:rPr lang="en-US" dirty="0" err="1" smtClean="0"/>
+              <a:t>postprocessing</a:t>
+            </a:r>
+            <a:r>
+              <a:rPr lang="en-US" dirty="0" smtClean="0"/>
+              <a:t> with game</a:t>
+            </a:r>
+          </a:p>
+        </p:txBody>
+      </p:sp>
+    </p:spTree>
+    <p:extLst>
+      <p:ext uri="{BB962C8B-B14F-4D97-AF65-F5344CB8AC3E}">
+        <p14:creationId xmlns:p14="http://schemas.microsoft.com/office/powerpoint/2010/main" val="2080637109"/>
+      </p:ext>
+    </p:extLst>
+  </p:cSld>
+  <p:clrMapOvr>
+    <a:masterClrMapping/>
+  </p:clrMapOvr>
+</p:sld>
+</file>
+
+<file path=ppt/slides/slide4.xml><?xml version="1.0" encoding="utf-8"?>
 <p:sld xmlns:a="http://schemas.openxmlformats.org/drawingml/2006/main" xmlns:r="http://schemas.openxmlformats.org/officeDocument/2006/relationships" xmlns:p="http://schemas.openxmlformats.org/presentationml/2006/main">
   <p:cSld>
     <p:spTree>
@@ -3394,7 +3700,7 @@
 </p:sld>
 </file>
 
-<file path=ppt/slides/slide4.xml><?xml version="1.0" encoding="utf-8"?>
+<file path=ppt/slides/slide5.xml><?xml version="1.0" encoding="utf-8"?>
 <p:sld xmlns:a="http://schemas.openxmlformats.org/drawingml/2006/main" xmlns:r="http://schemas.openxmlformats.org/officeDocument/2006/relationships" xmlns:p="http://schemas.openxmlformats.org/presentationml/2006/main">
   <p:cSld>
     <p:spTree>
@@ -3453,7 +3759,7 @@
 </p:sld>
 </file>
 
-<file path=ppt/slides/slide5.xml><?xml version="1.0" encoding="utf-8"?>
+<file path=ppt/slides/slide6.xml><?xml version="1.0" encoding="utf-8"?>
 <p:sld xmlns:a="http://schemas.openxmlformats.org/drawingml/2006/main" xmlns:r="http://schemas.openxmlformats.org/officeDocument/2006/relationships" xmlns:p="http://schemas.openxmlformats.org/presentationml/2006/main">
   <p:cSld>
     <p:spTree>
@@ -3472,9 +3778,9 @@
       </p:grpSpPr>
       <p:pic>
         <p:nvPicPr>
-          <p:cNvPr id="4" name="Picture 3"/>
+          <p:cNvPr id="1026" name="Picture 2"/>
           <p:cNvPicPr>
-            <a:picLocks noChangeAspect="1"/>
+            <a:picLocks noChangeAspect="1" noChangeArrowheads="1"/>
           </p:cNvPicPr>
           <p:nvPr/>
         </p:nvPicPr>
@@ -3486,18 +3792,52 @@
               </a:ext>
             </a:extLst>
           </a:blip>
+          <a:srcRect/>
           <a:stretch>
             <a:fillRect/>
           </a:stretch>
         </p:blipFill>
-        <p:spPr>
+        <p:spPr bwMode="auto">
           <a:xfrm>
-            <a:off x="571" y="0"/>
-            <a:ext cx="9142857" cy="6857999"/>
+            <a:off x="596" y="-315416"/>
+            <a:ext cx="9143403" cy="7317432"/>
           </a:xfrm>
           <a:prstGeom prst="rect">
             <a:avLst/>
           </a:prstGeom>
+          <a:noFill/>
+          <a:ln>
+            <a:noFill/>
+          </a:ln>
+          <a:effectLst/>
+          <a:extLst>
+            <a:ext uri="{909E8E84-426E-40DD-AFC4-6F175D3DCCD1}">
+              <a14:hiddenFill xmlns:a14="http://schemas.microsoft.com/office/drawing/2010/main">
+                <a:solidFill>
+                  <a:schemeClr val="accent1"/>
+                </a:solidFill>
+              </a14:hiddenFill>
+            </a:ext>
+            <a:ext uri="{91240B29-F687-4F45-9708-019B960494DF}">
+              <a14:hiddenLine xmlns:a14="http://schemas.microsoft.com/office/drawing/2010/main" w="9525">
+                <a:solidFill>
+                  <a:schemeClr val="tx1"/>
+                </a:solidFill>
+                <a:miter lim="800000"/>
+                <a:headEnd/>
+                <a:tailEnd/>
+              </a14:hiddenLine>
+            </a:ext>
+            <a:ext uri="{AF507438-7753-43E0-B8FC-AC1667EBCBE1}">
+              <a14:hiddenEffects xmlns:a14="http://schemas.microsoft.com/office/drawing/2010/main">
+                <a:effectLst>
+                  <a:outerShdw dist="35921" dir="2700000" algn="ctr" rotWithShape="0">
+                    <a:schemeClr val="bg2"/>
+                  </a:outerShdw>
+                </a:effectLst>
+              </a14:hiddenEffects>
+            </a:ext>
+          </a:extLst>
         </p:spPr>
       </p:pic>
     </p:spTree>

--- a/Traffic Racer.pptx
+++ b/Traffic Racer.pptx
@@ -3217,12 +3217,46 @@
               <a:rPr lang="en-US" dirty="0" smtClean="0"/>
               <a:t>KARIM SAQER. SEC:2 B:9</a:t>
             </a:r>
-          </a:p>
-          <a:p>
-            <a:r>
-              <a:rPr lang="en-US" dirty="0" smtClean="0"/>
-              <a:t>KARIM MOHAMED. SEC:2 B:8</a:t>
-            </a:r>
+            <a:r>
+              <a:rPr lang="ar-EG" dirty="0" smtClean="0"/>
+              <a:t> </a:t>
+            </a:r>
+            <a:r>
+              <a:rPr lang="en-US" dirty="0" smtClean="0"/>
+              <a:t> code: </a:t>
+            </a:r>
+            <a:r>
+              <a:rPr lang="en-US" dirty="0" smtClean="0"/>
+              <a:t>9204096 </a:t>
+            </a:r>
+            <a:endParaRPr lang="en-US" dirty="0" smtClean="0"/>
+          </a:p>
+          <a:p>
+            <a:r>
+              <a:rPr lang="en-US" dirty="0" smtClean="0"/>
+              <a:t>KARIM </a:t>
+            </a:r>
+            <a:r>
+              <a:rPr lang="en-US" dirty="0" smtClean="0"/>
+              <a:t>MOHAMED. SEC:2 </a:t>
+            </a:r>
+            <a:r>
+              <a:rPr lang="en-US" dirty="0" smtClean="0"/>
+              <a:t>B:8 </a:t>
+            </a:r>
+            <a:r>
+              <a:rPr lang="en-US" dirty="0"/>
+              <a:t> </a:t>
+            </a:r>
+            <a:r>
+              <a:rPr lang="en-US" dirty="0" smtClean="0"/>
+              <a:t>code: </a:t>
+            </a:r>
+            <a:r>
+              <a:rPr lang="en-US" dirty="0" smtClean="0"/>
+              <a:t>9203074 </a:t>
+            </a:r>
+            <a:endParaRPr lang="en-US" dirty="0" smtClean="0"/>
           </a:p>
           <a:p>
             <a:pPr lvl="1"/>
@@ -3298,14 +3332,9 @@
           <a:p>
             <a:pPr lvl="2"/>
             <a:r>
-              <a:rPr lang="en-US" smtClean="0"/>
-              <a:t>COLLISION </a:t>
-            </a:r>
-            <a:r>
-              <a:rPr lang="en-US" smtClean="0"/>
-              <a:t>SYSTEM</a:t>
-            </a:r>
-            <a:endParaRPr lang="en-US" dirty="0" smtClean="0"/>
+              <a:rPr lang="en-US" dirty="0" smtClean="0"/>
+              <a:t>COLLISION SYSTEM</a:t>
+            </a:r>
           </a:p>
           <a:p>
             <a:pPr lvl="2"/>
@@ -3434,8 +3463,17 @@
             </a:r>
             <a:r>
               <a:rPr lang="en-US" dirty="0" smtClean="0"/>
-              <a:t>. SEC:1 B:21</a:t>
-            </a:r>
+              <a:t>. SEC:1 </a:t>
+            </a:r>
+            <a:r>
+              <a:rPr lang="en-US" dirty="0" smtClean="0"/>
+              <a:t>B:21 code: </a:t>
+            </a:r>
+            <a:r>
+              <a:rPr lang="en-US" dirty="0" smtClean="0"/>
+              <a:t>9202511 </a:t>
+            </a:r>
+            <a:endParaRPr lang="en-US" dirty="0" smtClean="0"/>
           </a:p>
           <a:p>
             <a:r>
@@ -3444,8 +3482,21 @@
             </a:r>
             <a:r>
               <a:rPr lang="en-US" dirty="0" smtClean="0"/>
-              <a:t> Ashraf. SEC:1 B:35</a:t>
-            </a:r>
+              <a:t> Ashraf. SEC:1 </a:t>
+            </a:r>
+            <a:r>
+              <a:rPr lang="en-US" dirty="0" smtClean="0"/>
+              <a:t>B:35 code</a:t>
+            </a:r>
+            <a:r>
+              <a:rPr lang="en-US" smtClean="0"/>
+              <a:t>: </a:t>
+            </a:r>
+            <a:r>
+              <a:rPr lang="en-US" smtClean="0"/>
+              <a:t>9202769 </a:t>
+            </a:r>
+            <a:endParaRPr lang="en-US" dirty="0" smtClean="0"/>
           </a:p>
           <a:p>
             <a:pPr lvl="1"/>
